--- a/images/theory_analysis/etcd/etcd.pptx
+++ b/images/theory_analysis/etcd/etcd.pptx
@@ -5,11 +5,12 @@
     <p:sldMasterId id="2147483648" r:id="rId1"/>
   </p:sldMasterIdLst>
   <p:notesMasterIdLst>
-    <p:notesMasterId r:id="rId4"/>
+    <p:notesMasterId r:id="rId5"/>
   </p:notesMasterIdLst>
   <p:sldIdLst>
     <p:sldId id="362" r:id="rId2"/>
-    <p:sldId id="363" r:id="rId3"/>
+    <p:sldId id="364" r:id="rId3"/>
+    <p:sldId id="363" r:id="rId4"/>
   </p:sldIdLst>
   <p:sldSz cx="9144000" cy="5143500" type="screen16x9"/>
   <p:notesSz cx="6858000" cy="9144000"/>
@@ -214,7 +215,7 @@
           <a:p>
             <a:fld id="{6CD5550B-26C4-49A9-A5BA-636EF7BE6CE9}" type="datetimeFigureOut">
               <a:rPr lang="ko-KR" altLang="en-US" smtClean="0"/>
-              <a:t>2020-04-08</a:t>
+              <a:t>2020-04-09</a:t>
             </a:fld>
             <a:endParaRPr lang="ko-KR" altLang="en-US"/>
           </a:p>
@@ -660,7 +661,7 @@
           <a:p>
             <a:fld id="{FB30EDBD-1C2D-4C1E-B459-B60219FAB484}" type="datetimeFigureOut">
               <a:rPr lang="ko-KR" altLang="en-US" smtClean="0"/>
-              <a:t>2020-04-08</a:t>
+              <a:t>2020-04-09</a:t>
             </a:fld>
             <a:endParaRPr lang="ko-KR" altLang="en-US"/>
           </a:p>
@@ -823,7 +824,7 @@
           <a:p>
             <a:fld id="{FB30EDBD-1C2D-4C1E-B459-B60219FAB484}" type="datetimeFigureOut">
               <a:rPr lang="ko-KR" altLang="en-US" smtClean="0"/>
-              <a:t>2020-04-08</a:t>
+              <a:t>2020-04-09</a:t>
             </a:fld>
             <a:endParaRPr lang="ko-KR" altLang="en-US"/>
           </a:p>
@@ -996,7 +997,7 @@
           <a:p>
             <a:fld id="{FB30EDBD-1C2D-4C1E-B459-B60219FAB484}" type="datetimeFigureOut">
               <a:rPr lang="ko-KR" altLang="en-US" smtClean="0"/>
-              <a:t>2020-04-08</a:t>
+              <a:t>2020-04-09</a:t>
             </a:fld>
             <a:endParaRPr lang="ko-KR" altLang="en-US"/>
           </a:p>
@@ -1159,7 +1160,7 @@
           <a:p>
             <a:fld id="{FB30EDBD-1C2D-4C1E-B459-B60219FAB484}" type="datetimeFigureOut">
               <a:rPr lang="ko-KR" altLang="en-US" smtClean="0"/>
-              <a:t>2020-04-08</a:t>
+              <a:t>2020-04-09</a:t>
             </a:fld>
             <a:endParaRPr lang="ko-KR" altLang="en-US"/>
           </a:p>
@@ -1399,7 +1400,7 @@
           <a:p>
             <a:fld id="{FB30EDBD-1C2D-4C1E-B459-B60219FAB484}" type="datetimeFigureOut">
               <a:rPr lang="ko-KR" altLang="en-US" smtClean="0"/>
-              <a:t>2020-04-08</a:t>
+              <a:t>2020-04-09</a:t>
             </a:fld>
             <a:endParaRPr lang="ko-KR" altLang="en-US"/>
           </a:p>
@@ -1679,7 +1680,7 @@
           <a:p>
             <a:fld id="{FB30EDBD-1C2D-4C1E-B459-B60219FAB484}" type="datetimeFigureOut">
               <a:rPr lang="ko-KR" altLang="en-US" smtClean="0"/>
-              <a:t>2020-04-08</a:t>
+              <a:t>2020-04-09</a:t>
             </a:fld>
             <a:endParaRPr lang="ko-KR" altLang="en-US"/>
           </a:p>
@@ -2093,7 +2094,7 @@
           <a:p>
             <a:fld id="{FB30EDBD-1C2D-4C1E-B459-B60219FAB484}" type="datetimeFigureOut">
               <a:rPr lang="ko-KR" altLang="en-US" smtClean="0"/>
-              <a:t>2020-04-08</a:t>
+              <a:t>2020-04-09</a:t>
             </a:fld>
             <a:endParaRPr lang="ko-KR" altLang="en-US"/>
           </a:p>
@@ -2205,7 +2206,7 @@
           <a:p>
             <a:fld id="{FB30EDBD-1C2D-4C1E-B459-B60219FAB484}" type="datetimeFigureOut">
               <a:rPr lang="ko-KR" altLang="en-US" smtClean="0"/>
-              <a:t>2020-04-08</a:t>
+              <a:t>2020-04-09</a:t>
             </a:fld>
             <a:endParaRPr lang="ko-KR" altLang="en-US"/>
           </a:p>
@@ -2295,7 +2296,7 @@
           <a:p>
             <a:fld id="{FB30EDBD-1C2D-4C1E-B459-B60219FAB484}" type="datetimeFigureOut">
               <a:rPr lang="ko-KR" altLang="en-US" smtClean="0"/>
-              <a:t>2020-04-08</a:t>
+              <a:t>2020-04-09</a:t>
             </a:fld>
             <a:endParaRPr lang="ko-KR" altLang="en-US"/>
           </a:p>
@@ -2565,7 +2566,7 @@
           <a:p>
             <a:fld id="{FB30EDBD-1C2D-4C1E-B459-B60219FAB484}" type="datetimeFigureOut">
               <a:rPr lang="ko-KR" altLang="en-US" smtClean="0"/>
-              <a:t>2020-04-08</a:t>
+              <a:t>2020-04-09</a:t>
             </a:fld>
             <a:endParaRPr lang="ko-KR" altLang="en-US"/>
           </a:p>
@@ -2812,7 +2813,7 @@
           <a:p>
             <a:fld id="{FB30EDBD-1C2D-4C1E-B459-B60219FAB484}" type="datetimeFigureOut">
               <a:rPr lang="ko-KR" altLang="en-US" smtClean="0"/>
-              <a:t>2020-04-08</a:t>
+              <a:t>2020-04-09</a:t>
             </a:fld>
             <a:endParaRPr lang="ko-KR" altLang="en-US"/>
           </a:p>
@@ -3018,7 +3019,7 @@
           <a:p>
             <a:fld id="{FB30EDBD-1C2D-4C1E-B459-B60219FAB484}" type="datetimeFigureOut">
               <a:rPr lang="ko-KR" altLang="en-US" smtClean="0"/>
-              <a:t>2020-04-08</a:t>
+              <a:t>2020-04-09</a:t>
             </a:fld>
             <a:endParaRPr lang="ko-KR" altLang="en-US"/>
           </a:p>
@@ -4219,6 +4220,426 @@
 </file>
 
 <file path=ppt/slides/slide2.xml><?xml version="1.0" encoding="utf-8"?>
+<p:sld xmlns:a="http://schemas.openxmlformats.org/drawingml/2006/main" xmlns:r="http://schemas.openxmlformats.org/officeDocument/2006/relationships" xmlns:p="http://schemas.openxmlformats.org/presentationml/2006/main">
+  <p:cSld>
+    <p:spTree>
+      <p:nvGrpSpPr>
+        <p:cNvPr id="1" name=""/>
+        <p:cNvGrpSpPr/>
+        <p:nvPr/>
+      </p:nvGrpSpPr>
+      <p:grpSpPr>
+        <a:xfrm>
+          <a:off x="0" y="0"/>
+          <a:ext cx="0" cy="0"/>
+          <a:chOff x="0" y="0"/>
+          <a:chExt cx="0" cy="0"/>
+        </a:xfrm>
+      </p:grpSpPr>
+      <p:sp>
+        <p:nvSpPr>
+          <p:cNvPr id="2" name="제목 1">
+            <a:extLst>
+              <a:ext uri="{FF2B5EF4-FFF2-40B4-BE49-F238E27FC236}">
+                <a16:creationId xmlns:a16="http://schemas.microsoft.com/office/drawing/2014/main" id="{FC67F929-A4E0-49DA-A87A-869BFE4EFE72}"/>
+              </a:ext>
+            </a:extLst>
+          </p:cNvPr>
+          <p:cNvSpPr>
+            <a:spLocks noGrp="1"/>
+          </p:cNvSpPr>
+          <p:nvPr>
+            <p:ph type="title"/>
+          </p:nvPr>
+        </p:nvSpPr>
+        <p:spPr>
+          <a:xfrm>
+            <a:off x="457200" y="58316"/>
+            <a:ext cx="8229600" cy="857250"/>
+          </a:xfrm>
+        </p:spPr>
+        <p:txBody>
+          <a:bodyPr>
+            <a:normAutofit/>
+          </a:bodyPr>
+          <a:lstStyle/>
+          <a:p>
+            <a:r>
+              <a:rPr lang="en-US" altLang="ko-KR"/>
+              <a:t>etcd</a:t>
+            </a:r>
+            <a:r>
+              <a:rPr lang="ko-KR" altLang="en-US"/>
+              <a:t> </a:t>
+            </a:r>
+            <a:r>
+              <a:rPr lang="en-US" altLang="ko-KR"/>
+              <a:t>Quorum</a:t>
+            </a:r>
+            <a:endParaRPr lang="ko-KR" altLang="en-US"/>
+          </a:p>
+        </p:txBody>
+      </p:sp>
+      <p:graphicFrame>
+        <p:nvGraphicFramePr>
+          <p:cNvPr id="3" name="표 3">
+            <a:extLst>
+              <a:ext uri="{FF2B5EF4-FFF2-40B4-BE49-F238E27FC236}">
+                <a16:creationId xmlns:a16="http://schemas.microsoft.com/office/drawing/2014/main" id="{05F8A213-380D-4241-B94A-2C5729B3B7C1}"/>
+              </a:ext>
+            </a:extLst>
+          </p:cNvPr>
+          <p:cNvGraphicFramePr>
+            <a:graphicFrameLocks noGrp="1"/>
+          </p:cNvGraphicFramePr>
+          <p:nvPr>
+            <p:extLst>
+              <p:ext uri="{D42A27DB-BD31-4B8C-83A1-F6EECF244321}">
+                <p14:modId xmlns:p14="http://schemas.microsoft.com/office/powerpoint/2010/main" val="934791998"/>
+              </p:ext>
+            </p:extLst>
+          </p:nvPr>
+        </p:nvGraphicFramePr>
+        <p:xfrm>
+          <a:off x="2543944" y="1275606"/>
+          <a:ext cx="4056112" cy="2966720"/>
+        </p:xfrm>
+        <a:graphic>
+          <a:graphicData uri="http://schemas.openxmlformats.org/drawingml/2006/table">
+            <a:tbl>
+              <a:tblPr firstRow="1" bandRow="1">
+                <a:tableStyleId>{5940675A-B579-460E-94D1-54222C63F5DA}</a:tableStyleId>
+              </a:tblPr>
+              <a:tblGrid>
+                <a:gridCol w="2028056">
+                  <a:extLst>
+                    <a:ext uri="{9D8B030D-6E8A-4147-A177-3AD203B41FA5}">
+                      <a16:colId xmlns:a16="http://schemas.microsoft.com/office/drawing/2014/main" val="1331997439"/>
+                    </a:ext>
+                  </a:extLst>
+                </a:gridCol>
+                <a:gridCol w="2028056">
+                  <a:extLst>
+                    <a:ext uri="{9D8B030D-6E8A-4147-A177-3AD203B41FA5}">
+                      <a16:colId xmlns:a16="http://schemas.microsoft.com/office/drawing/2014/main" val="3879995247"/>
+                    </a:ext>
+                  </a:extLst>
+                </a:gridCol>
+              </a:tblGrid>
+              <a:tr h="370840">
+                <a:tc>
+                  <a:txBody>
+                    <a:bodyPr/>
+                    <a:lstStyle/>
+                    <a:p>
+                      <a:pPr algn="ctr" latinLnBrk="1"/>
+                      <a:r>
+                        <a:rPr lang="en-US" altLang="ko-KR" sz="1600"/>
+                        <a:t>Server Count</a:t>
+                      </a:r>
+                      <a:endParaRPr lang="ko-KR" altLang="en-US" sz="1600"/>
+                    </a:p>
+                  </a:txBody>
+                  <a:tcPr/>
+                </a:tc>
+                <a:tc>
+                  <a:txBody>
+                    <a:bodyPr/>
+                    <a:lstStyle/>
+                    <a:p>
+                      <a:pPr algn="ctr" latinLnBrk="1"/>
+                      <a:r>
+                        <a:rPr lang="en-US" altLang="ko-KR" sz="1600"/>
+                        <a:t>Quorum</a:t>
+                      </a:r>
+                      <a:endParaRPr lang="ko-KR" altLang="en-US" sz="1600"/>
+                    </a:p>
+                  </a:txBody>
+                  <a:tcPr/>
+                </a:tc>
+                <a:extLst>
+                  <a:ext uri="{0D108BD9-81ED-4DB2-BD59-A6C34878D82A}">
+                    <a16:rowId xmlns:a16="http://schemas.microsoft.com/office/drawing/2014/main" val="199605805"/>
+                  </a:ext>
+                </a:extLst>
+              </a:tr>
+              <a:tr h="370840">
+                <a:tc>
+                  <a:txBody>
+                    <a:bodyPr/>
+                    <a:lstStyle/>
+                    <a:p>
+                      <a:pPr algn="ctr" latinLnBrk="1"/>
+                      <a:r>
+                        <a:rPr lang="en-US" altLang="ko-KR" sz="1600"/>
+                        <a:t>1</a:t>
+                      </a:r>
+                      <a:endParaRPr lang="ko-KR" altLang="en-US" sz="1600"/>
+                    </a:p>
+                  </a:txBody>
+                  <a:tcPr/>
+                </a:tc>
+                <a:tc>
+                  <a:txBody>
+                    <a:bodyPr/>
+                    <a:lstStyle/>
+                    <a:p>
+                      <a:pPr algn="ctr" latinLnBrk="1"/>
+                      <a:r>
+                        <a:rPr lang="en-US" altLang="ko-KR" sz="1600"/>
+                        <a:t>1</a:t>
+                      </a:r>
+                      <a:endParaRPr lang="ko-KR" altLang="en-US" sz="1600"/>
+                    </a:p>
+                  </a:txBody>
+                  <a:tcPr/>
+                </a:tc>
+                <a:extLst>
+                  <a:ext uri="{0D108BD9-81ED-4DB2-BD59-A6C34878D82A}">
+                    <a16:rowId xmlns:a16="http://schemas.microsoft.com/office/drawing/2014/main" val="1494301768"/>
+                  </a:ext>
+                </a:extLst>
+              </a:tr>
+              <a:tr h="370840">
+                <a:tc>
+                  <a:txBody>
+                    <a:bodyPr/>
+                    <a:lstStyle/>
+                    <a:p>
+                      <a:pPr algn="ctr" latinLnBrk="1"/>
+                      <a:r>
+                        <a:rPr lang="en-US" altLang="ko-KR" sz="1600"/>
+                        <a:t>2</a:t>
+                      </a:r>
+                      <a:endParaRPr lang="ko-KR" altLang="en-US" sz="1600"/>
+                    </a:p>
+                  </a:txBody>
+                  <a:tcPr/>
+                </a:tc>
+                <a:tc>
+                  <a:txBody>
+                    <a:bodyPr/>
+                    <a:lstStyle/>
+                    <a:p>
+                      <a:pPr algn="ctr" latinLnBrk="1"/>
+                      <a:r>
+                        <a:rPr lang="en-US" altLang="ko-KR" sz="1600"/>
+                        <a:t>2</a:t>
+                      </a:r>
+                      <a:endParaRPr lang="ko-KR" altLang="en-US" sz="1600"/>
+                    </a:p>
+                  </a:txBody>
+                  <a:tcPr/>
+                </a:tc>
+                <a:extLst>
+                  <a:ext uri="{0D108BD9-81ED-4DB2-BD59-A6C34878D82A}">
+                    <a16:rowId xmlns:a16="http://schemas.microsoft.com/office/drawing/2014/main" val="2620869403"/>
+                  </a:ext>
+                </a:extLst>
+              </a:tr>
+              <a:tr h="370840">
+                <a:tc>
+                  <a:txBody>
+                    <a:bodyPr/>
+                    <a:lstStyle/>
+                    <a:p>
+                      <a:pPr algn="ctr" latinLnBrk="1"/>
+                      <a:r>
+                        <a:rPr lang="en-US" altLang="ko-KR" sz="1600"/>
+                        <a:t>3</a:t>
+                      </a:r>
+                      <a:endParaRPr lang="ko-KR" altLang="en-US" sz="1600"/>
+                    </a:p>
+                  </a:txBody>
+                  <a:tcPr/>
+                </a:tc>
+                <a:tc>
+                  <a:txBody>
+                    <a:bodyPr/>
+                    <a:lstStyle/>
+                    <a:p>
+                      <a:pPr algn="ctr" latinLnBrk="1"/>
+                      <a:r>
+                        <a:rPr lang="en-US" altLang="ko-KR" sz="1600"/>
+                        <a:t>2</a:t>
+                      </a:r>
+                      <a:endParaRPr lang="ko-KR" altLang="en-US" sz="1600"/>
+                    </a:p>
+                  </a:txBody>
+                  <a:tcPr/>
+                </a:tc>
+                <a:extLst>
+                  <a:ext uri="{0D108BD9-81ED-4DB2-BD59-A6C34878D82A}">
+                    <a16:rowId xmlns:a16="http://schemas.microsoft.com/office/drawing/2014/main" val="1855080310"/>
+                  </a:ext>
+                </a:extLst>
+              </a:tr>
+              <a:tr h="370840">
+                <a:tc>
+                  <a:txBody>
+                    <a:bodyPr/>
+                    <a:lstStyle/>
+                    <a:p>
+                      <a:pPr algn="ctr" latinLnBrk="1"/>
+                      <a:r>
+                        <a:rPr lang="en-US" altLang="ko-KR" sz="1600"/>
+                        <a:t>4</a:t>
+                      </a:r>
+                      <a:endParaRPr lang="ko-KR" altLang="en-US" sz="1600"/>
+                    </a:p>
+                  </a:txBody>
+                  <a:tcPr/>
+                </a:tc>
+                <a:tc>
+                  <a:txBody>
+                    <a:bodyPr/>
+                    <a:lstStyle/>
+                    <a:p>
+                      <a:pPr algn="ctr" latinLnBrk="1"/>
+                      <a:r>
+                        <a:rPr lang="en-US" altLang="ko-KR" sz="1600"/>
+                        <a:t>3</a:t>
+                      </a:r>
+                      <a:endParaRPr lang="ko-KR" altLang="en-US" sz="1600"/>
+                    </a:p>
+                  </a:txBody>
+                  <a:tcPr/>
+                </a:tc>
+                <a:extLst>
+                  <a:ext uri="{0D108BD9-81ED-4DB2-BD59-A6C34878D82A}">
+                    <a16:rowId xmlns:a16="http://schemas.microsoft.com/office/drawing/2014/main" val="2278985944"/>
+                  </a:ext>
+                </a:extLst>
+              </a:tr>
+              <a:tr h="370840">
+                <a:tc>
+                  <a:txBody>
+                    <a:bodyPr/>
+                    <a:lstStyle/>
+                    <a:p>
+                      <a:pPr algn="ctr" latinLnBrk="1"/>
+                      <a:r>
+                        <a:rPr lang="en-US" altLang="ko-KR" sz="1600"/>
+                        <a:t>5</a:t>
+                      </a:r>
+                      <a:endParaRPr lang="ko-KR" altLang="en-US" sz="1600"/>
+                    </a:p>
+                  </a:txBody>
+                  <a:tcPr/>
+                </a:tc>
+                <a:tc>
+                  <a:txBody>
+                    <a:bodyPr/>
+                    <a:lstStyle/>
+                    <a:p>
+                      <a:pPr algn="ctr" latinLnBrk="1"/>
+                      <a:r>
+                        <a:rPr lang="en-US" altLang="ko-KR" sz="1600"/>
+                        <a:t>3</a:t>
+                      </a:r>
+                      <a:endParaRPr lang="ko-KR" altLang="en-US" sz="1600"/>
+                    </a:p>
+                  </a:txBody>
+                  <a:tcPr/>
+                </a:tc>
+                <a:extLst>
+                  <a:ext uri="{0D108BD9-81ED-4DB2-BD59-A6C34878D82A}">
+                    <a16:rowId xmlns:a16="http://schemas.microsoft.com/office/drawing/2014/main" val="3776496757"/>
+                  </a:ext>
+                </a:extLst>
+              </a:tr>
+              <a:tr h="370840">
+                <a:tc>
+                  <a:txBody>
+                    <a:bodyPr/>
+                    <a:lstStyle/>
+                    <a:p>
+                      <a:pPr algn="ctr" latinLnBrk="1"/>
+                      <a:r>
+                        <a:rPr lang="en-US" altLang="ko-KR" sz="1600"/>
+                        <a:t>6</a:t>
+                      </a:r>
+                      <a:endParaRPr lang="ko-KR" altLang="en-US" sz="1600"/>
+                    </a:p>
+                  </a:txBody>
+                  <a:tcPr/>
+                </a:tc>
+                <a:tc>
+                  <a:txBody>
+                    <a:bodyPr/>
+                    <a:lstStyle/>
+                    <a:p>
+                      <a:pPr algn="ctr" latinLnBrk="1"/>
+                      <a:r>
+                        <a:rPr lang="en-US" altLang="ko-KR" sz="1600"/>
+                        <a:t>4</a:t>
+                      </a:r>
+                      <a:endParaRPr lang="ko-KR" altLang="en-US" sz="1600"/>
+                    </a:p>
+                  </a:txBody>
+                  <a:tcPr/>
+                </a:tc>
+                <a:extLst>
+                  <a:ext uri="{0D108BD9-81ED-4DB2-BD59-A6C34878D82A}">
+                    <a16:rowId xmlns:a16="http://schemas.microsoft.com/office/drawing/2014/main" val="504716825"/>
+                  </a:ext>
+                </a:extLst>
+              </a:tr>
+              <a:tr h="370840">
+                <a:tc>
+                  <a:txBody>
+                    <a:bodyPr/>
+                    <a:lstStyle/>
+                    <a:p>
+                      <a:pPr algn="ctr" latinLnBrk="1"/>
+                      <a:r>
+                        <a:rPr lang="en-US" altLang="ko-KR" sz="1600"/>
+                        <a:t>7</a:t>
+                      </a:r>
+                      <a:endParaRPr lang="ko-KR" altLang="en-US" sz="1600"/>
+                    </a:p>
+                  </a:txBody>
+                  <a:tcPr/>
+                </a:tc>
+                <a:tc>
+                  <a:txBody>
+                    <a:bodyPr/>
+                    <a:lstStyle/>
+                    <a:p>
+                      <a:pPr algn="ctr" latinLnBrk="1"/>
+                      <a:r>
+                        <a:rPr lang="en-US" altLang="ko-KR" sz="1600"/>
+                        <a:t>4</a:t>
+                      </a:r>
+                      <a:endParaRPr lang="ko-KR" altLang="en-US" sz="1600"/>
+                    </a:p>
+                  </a:txBody>
+                  <a:tcPr/>
+                </a:tc>
+                <a:extLst>
+                  <a:ext uri="{0D108BD9-81ED-4DB2-BD59-A6C34878D82A}">
+                    <a16:rowId xmlns:a16="http://schemas.microsoft.com/office/drawing/2014/main" val="1758997196"/>
+                  </a:ext>
+                </a:extLst>
+              </a:tr>
+            </a:tbl>
+          </a:graphicData>
+        </a:graphic>
+      </p:graphicFrame>
+    </p:spTree>
+    <p:extLst>
+      <p:ext uri="{BB962C8B-B14F-4D97-AF65-F5344CB8AC3E}">
+        <p14:creationId xmlns:p14="http://schemas.microsoft.com/office/powerpoint/2010/main" val="1793225477"/>
+      </p:ext>
+    </p:extLst>
+  </p:cSld>
+  <p:clrMapOvr>
+    <a:masterClrMapping/>
+  </p:clrMapOvr>
+</p:sld>
+</file>
+
+<file path=ppt/slides/slide3.xml><?xml version="1.0" encoding="utf-8"?>
 <p:sld xmlns:a="http://schemas.openxmlformats.org/drawingml/2006/main" xmlns:r="http://schemas.openxmlformats.org/officeDocument/2006/relationships" xmlns:p="http://schemas.openxmlformats.org/presentationml/2006/main">
   <p:cSld>
     <p:spTree>

--- a/images/theory_analysis/etcd/etcd.pptx
+++ b/images/theory_analysis/etcd/etcd.pptx
@@ -215,7 +215,7 @@
           <a:p>
             <a:fld id="{6CD5550B-26C4-49A9-A5BA-636EF7BE6CE9}" type="datetimeFigureOut">
               <a:rPr lang="ko-KR" altLang="en-US" smtClean="0"/>
-              <a:t>2020-04-09</a:t>
+              <a:t>2020-04-30</a:t>
             </a:fld>
             <a:endParaRPr lang="ko-KR" altLang="en-US"/>
           </a:p>
@@ -661,7 +661,7 @@
           <a:p>
             <a:fld id="{FB30EDBD-1C2D-4C1E-B459-B60219FAB484}" type="datetimeFigureOut">
               <a:rPr lang="ko-KR" altLang="en-US" smtClean="0"/>
-              <a:t>2020-04-09</a:t>
+              <a:t>2020-04-30</a:t>
             </a:fld>
             <a:endParaRPr lang="ko-KR" altLang="en-US"/>
           </a:p>
@@ -824,7 +824,7 @@
           <a:p>
             <a:fld id="{FB30EDBD-1C2D-4C1E-B459-B60219FAB484}" type="datetimeFigureOut">
               <a:rPr lang="ko-KR" altLang="en-US" smtClean="0"/>
-              <a:t>2020-04-09</a:t>
+              <a:t>2020-04-30</a:t>
             </a:fld>
             <a:endParaRPr lang="ko-KR" altLang="en-US"/>
           </a:p>
@@ -997,7 +997,7 @@
           <a:p>
             <a:fld id="{FB30EDBD-1C2D-4C1E-B459-B60219FAB484}" type="datetimeFigureOut">
               <a:rPr lang="ko-KR" altLang="en-US" smtClean="0"/>
-              <a:t>2020-04-09</a:t>
+              <a:t>2020-04-30</a:t>
             </a:fld>
             <a:endParaRPr lang="ko-KR" altLang="en-US"/>
           </a:p>
@@ -1160,7 +1160,7 @@
           <a:p>
             <a:fld id="{FB30EDBD-1C2D-4C1E-B459-B60219FAB484}" type="datetimeFigureOut">
               <a:rPr lang="ko-KR" altLang="en-US" smtClean="0"/>
-              <a:t>2020-04-09</a:t>
+              <a:t>2020-04-30</a:t>
             </a:fld>
             <a:endParaRPr lang="ko-KR" altLang="en-US"/>
           </a:p>
@@ -1400,7 +1400,7 @@
           <a:p>
             <a:fld id="{FB30EDBD-1C2D-4C1E-B459-B60219FAB484}" type="datetimeFigureOut">
               <a:rPr lang="ko-KR" altLang="en-US" smtClean="0"/>
-              <a:t>2020-04-09</a:t>
+              <a:t>2020-04-30</a:t>
             </a:fld>
             <a:endParaRPr lang="ko-KR" altLang="en-US"/>
           </a:p>
@@ -1680,7 +1680,7 @@
           <a:p>
             <a:fld id="{FB30EDBD-1C2D-4C1E-B459-B60219FAB484}" type="datetimeFigureOut">
               <a:rPr lang="ko-KR" altLang="en-US" smtClean="0"/>
-              <a:t>2020-04-09</a:t>
+              <a:t>2020-04-30</a:t>
             </a:fld>
             <a:endParaRPr lang="ko-KR" altLang="en-US"/>
           </a:p>
@@ -2094,7 +2094,7 @@
           <a:p>
             <a:fld id="{FB30EDBD-1C2D-4C1E-B459-B60219FAB484}" type="datetimeFigureOut">
               <a:rPr lang="ko-KR" altLang="en-US" smtClean="0"/>
-              <a:t>2020-04-09</a:t>
+              <a:t>2020-04-30</a:t>
             </a:fld>
             <a:endParaRPr lang="ko-KR" altLang="en-US"/>
           </a:p>
@@ -2206,7 +2206,7 @@
           <a:p>
             <a:fld id="{FB30EDBD-1C2D-4C1E-B459-B60219FAB484}" type="datetimeFigureOut">
               <a:rPr lang="ko-KR" altLang="en-US" smtClean="0"/>
-              <a:t>2020-04-09</a:t>
+              <a:t>2020-04-30</a:t>
             </a:fld>
             <a:endParaRPr lang="ko-KR" altLang="en-US"/>
           </a:p>
@@ -2296,7 +2296,7 @@
           <a:p>
             <a:fld id="{FB30EDBD-1C2D-4C1E-B459-B60219FAB484}" type="datetimeFigureOut">
               <a:rPr lang="ko-KR" altLang="en-US" smtClean="0"/>
-              <a:t>2020-04-09</a:t>
+              <a:t>2020-04-30</a:t>
             </a:fld>
             <a:endParaRPr lang="ko-KR" altLang="en-US"/>
           </a:p>
@@ -2566,7 +2566,7 @@
           <a:p>
             <a:fld id="{FB30EDBD-1C2D-4C1E-B459-B60219FAB484}" type="datetimeFigureOut">
               <a:rPr lang="ko-KR" altLang="en-US" smtClean="0"/>
-              <a:t>2020-04-09</a:t>
+              <a:t>2020-04-30</a:t>
             </a:fld>
             <a:endParaRPr lang="ko-KR" altLang="en-US"/>
           </a:p>
@@ -2813,7 +2813,7 @@
           <a:p>
             <a:fld id="{FB30EDBD-1C2D-4C1E-B459-B60219FAB484}" type="datetimeFigureOut">
               <a:rPr lang="ko-KR" altLang="en-US" smtClean="0"/>
-              <a:t>2020-04-09</a:t>
+              <a:t>2020-04-30</a:t>
             </a:fld>
             <a:endParaRPr lang="ko-KR" altLang="en-US"/>
           </a:p>
@@ -3019,7 +3019,7 @@
           <a:p>
             <a:fld id="{FB30EDBD-1C2D-4C1E-B459-B60219FAB484}" type="datetimeFigureOut">
               <a:rPr lang="ko-KR" altLang="en-US" smtClean="0"/>
-              <a:t>2020-04-09</a:t>
+              <a:t>2020-04-30</a:t>
             </a:fld>
             <a:endParaRPr lang="ko-KR" altLang="en-US"/>
           </a:p>
@@ -4059,7 +4059,7 @@
         <p:spPr>
           <a:xfrm>
             <a:off x="1426814" y="3226668"/>
-            <a:ext cx="1200970" cy="276999"/>
+            <a:ext cx="1534203" cy="276999"/>
           </a:xfrm>
           <a:prstGeom prst="rect">
             <a:avLst/>
@@ -4074,7 +4074,7 @@
           <a:p>
             <a:r>
               <a:rPr lang="en-US" altLang="ko-KR" sz="1200"/>
-              <a:t>AppendEntries</a:t>
+              <a:t>Raft AppendEntries</a:t>
             </a:r>
           </a:p>
         </p:txBody>
